--- a/database/slides/OUR_FATHER.pptx
+++ b/database/slides/OUR_FATHER.pptx
@@ -15489,7 +15489,7 @@
               <a:buNone/>
             </a:pPr>
             <a:r>
-              <a:rPr lang="en-US" sz="4000" b="1" i="0" dirty="0">
+              <a:rPr lang="en-US" sz="4200" b="1" i="0" dirty="0">
                 <a:solidFill>
                   <a:schemeClr val="bg1"/>
                 </a:solidFill>
@@ -15498,9 +15498,21 @@
                 <a:ea typeface="Calibri" panose="020F0502020204030204" pitchFamily="34" charset="0"/>
                 <a:cs typeface="Calibri" panose="020F0502020204030204" pitchFamily="34" charset="0"/>
               </a:rPr>
-              <a:t>Our Father, Who art in heaven, hallowed be Thy name; Thy kingdom come; Thy will be done on earth as it is in heaven. Give us this day our daily bread; and forgive us our trespasses as we forgive those who trespass against us; and lead us not into temptation, but deliver us from evil.</a:t>
+              <a:t>Our Father, who art in heaven, hallowed be Thy name; Thy kingdom come; Thy will be done on earth as it is in heaven. Give us this day our daily bread; and forgive us our trespasses as we forgive those who trespass against us; and lead us not into temptation, but deliver us from evil. </a:t>
             </a:r>
-            <a:endParaRPr lang="en-US" sz="4000" b="1" dirty="0">
+            <a:r>
+              <a:rPr lang="en-US" sz="4200" b="1" i="0">
+                <a:solidFill>
+                  <a:schemeClr val="bg1"/>
+                </a:solidFill>
+                <a:effectLst/>
+                <a:latin typeface="Calibri" panose="020F0502020204030204" pitchFamily="34" charset="0"/>
+                <a:ea typeface="Calibri" panose="020F0502020204030204" pitchFamily="34" charset="0"/>
+                <a:cs typeface="Calibri" panose="020F0502020204030204" pitchFamily="34" charset="0"/>
+              </a:rPr>
+              <a:t>Amen.</a:t>
+            </a:r>
+            <a:endParaRPr lang="en-US" sz="4200" b="1" dirty="0">
               <a:solidFill>
                 <a:schemeClr val="bg1"/>
               </a:solidFill>
